--- a/Istanbul House Price Prediction and Visualization System.pptx
+++ b/Istanbul House Price Prediction and Visualization System.pptx
@@ -14,7 +14,8 @@
     <p:sldId id="263" r:id="rId8"/>
     <p:sldId id="260" r:id="rId9"/>
     <p:sldId id="261" r:id="rId10"/>
-    <p:sldId id="265" r:id="rId11"/>
+    <p:sldId id="267" r:id="rId11"/>
+    <p:sldId id="265" r:id="rId12"/>
   </p:sldIdLst>
   <p:sldSz cx="12192000" cy="6858000"/>
   <p:notesSz cx="6858000" cy="9144000"/>
@@ -5785,6 +5786,1026 @@
           <p:cNvPr id="2" name="Başlık 1">
             <a:extLst>
               <a:ext uri="{FF2B5EF4-FFF2-40B4-BE49-F238E27FC236}">
+                <a16:creationId xmlns:a16="http://schemas.microsoft.com/office/drawing/2014/main" id="{FAD14095-5CB0-023D-3883-CA1D3D531BD0}"/>
+              </a:ext>
+            </a:extLst>
+          </p:cNvPr>
+          <p:cNvSpPr>
+            <a:spLocks noGrp="1"/>
+          </p:cNvSpPr>
+          <p:nvPr>
+            <p:ph type="title"/>
+          </p:nvPr>
+        </p:nvSpPr>
+        <p:spPr/>
+        <p:txBody>
+          <a:bodyPr/>
+          <a:lstStyle/>
+          <a:p>
+            <a:r>
+              <a:rPr lang="tr-TR" dirty="0"/>
+              <a:t>Model </a:t>
+            </a:r>
+            <a:r>
+              <a:rPr lang="tr-TR" dirty="0" err="1"/>
+              <a:t>Results</a:t>
+            </a:r>
+            <a:endParaRPr lang="tr-TR" dirty="0"/>
+          </a:p>
+        </p:txBody>
+      </p:sp>
+      <p:sp>
+        <p:nvSpPr>
+          <p:cNvPr id="3" name="İçerik Yer Tutucusu 2">
+            <a:extLst>
+              <a:ext uri="{FF2B5EF4-FFF2-40B4-BE49-F238E27FC236}">
+                <a16:creationId xmlns:a16="http://schemas.microsoft.com/office/drawing/2014/main" id="{501F8C25-F371-3A96-74EF-4BC10A8212B5}"/>
+              </a:ext>
+            </a:extLst>
+          </p:cNvPr>
+          <p:cNvSpPr>
+            <a:spLocks noGrp="1"/>
+          </p:cNvSpPr>
+          <p:nvPr>
+            <p:ph idx="1"/>
+          </p:nvPr>
+        </p:nvSpPr>
+        <p:spPr>
+          <a:xfrm>
+            <a:off x="685800" y="1627632"/>
+            <a:ext cx="4736592" cy="3666744"/>
+          </a:xfrm>
+        </p:spPr>
+        <p:txBody>
+          <a:bodyPr>
+            <a:normAutofit fontScale="77500" lnSpcReduction="20000"/>
+          </a:bodyPr>
+          <a:lstStyle/>
+          <a:p>
+            <a:r>
+              <a:rPr lang="tr-TR" sz="1600" b="1" dirty="0" err="1"/>
+              <a:t>Linear</a:t>
+            </a:r>
+            <a:r>
+              <a:rPr lang="tr-TR" sz="1600" b="1" dirty="0"/>
+              <a:t> </a:t>
+            </a:r>
+            <a:r>
+              <a:rPr lang="tr-TR" sz="1600" b="1" dirty="0" err="1"/>
+              <a:t>Regression</a:t>
+            </a:r>
+            <a:endParaRPr lang="tr-TR" sz="1600" b="1" dirty="0"/>
+          </a:p>
+          <a:p>
+            <a:r>
+              <a:rPr lang="tr-TR" sz="1600" dirty="0"/>
+              <a:t>CV </a:t>
+            </a:r>
+            <a:r>
+              <a:rPr lang="tr-TR" sz="1600" dirty="0" err="1"/>
+              <a:t>Score</a:t>
+            </a:r>
+            <a:r>
+              <a:rPr lang="tr-TR" sz="1600" dirty="0"/>
+              <a:t> </a:t>
+            </a:r>
+            <a:r>
+              <a:rPr lang="tr-TR" sz="1600" dirty="0" err="1"/>
+              <a:t>Mean</a:t>
+            </a:r>
+            <a:r>
+              <a:rPr lang="tr-TR" sz="1600" dirty="0"/>
+              <a:t>: 0.333 → </a:t>
+            </a:r>
+            <a:r>
+              <a:rPr lang="tr-TR" sz="1600" dirty="0" err="1"/>
+              <a:t>Fair</a:t>
+            </a:r>
+            <a:r>
+              <a:rPr lang="tr-TR" sz="1600" dirty="0"/>
+              <a:t> </a:t>
+            </a:r>
+            <a:r>
+              <a:rPr lang="tr-TR" sz="1600" dirty="0" err="1"/>
+              <a:t>generalization</a:t>
+            </a:r>
+            <a:endParaRPr lang="tr-TR" sz="1600" dirty="0"/>
+          </a:p>
+          <a:p>
+            <a:r>
+              <a:rPr lang="tr-TR" sz="1600" dirty="0"/>
+              <a:t>CV </a:t>
+            </a:r>
+            <a:r>
+              <a:rPr lang="tr-TR" sz="1600" dirty="0" err="1"/>
+              <a:t>Score</a:t>
+            </a:r>
+            <a:r>
+              <a:rPr lang="tr-TR" sz="1600" dirty="0"/>
+              <a:t> </a:t>
+            </a:r>
+            <a:r>
+              <a:rPr lang="tr-TR" sz="1600" dirty="0" err="1"/>
+              <a:t>Std</a:t>
+            </a:r>
+            <a:r>
+              <a:rPr lang="tr-TR" sz="1600" dirty="0"/>
+              <a:t>: 0.121 → </a:t>
+            </a:r>
+            <a:r>
+              <a:rPr lang="tr-TR" sz="1600" dirty="0" err="1"/>
+              <a:t>Moderate</a:t>
+            </a:r>
+            <a:r>
+              <a:rPr lang="tr-TR" sz="1600" dirty="0"/>
+              <a:t> </a:t>
+            </a:r>
+            <a:r>
+              <a:rPr lang="tr-TR" sz="1600" dirty="0" err="1"/>
+              <a:t>consistency</a:t>
+            </a:r>
+            <a:endParaRPr lang="tr-TR" sz="1600" dirty="0"/>
+          </a:p>
+          <a:p>
+            <a:r>
+              <a:rPr lang="tr-TR" sz="1600" dirty="0"/>
+              <a:t>RMSE: 4,811,942 TL → High </a:t>
+            </a:r>
+            <a:r>
+              <a:rPr lang="tr-TR" sz="1600" dirty="0" err="1"/>
+              <a:t>error</a:t>
+            </a:r>
+            <a:r>
+              <a:rPr lang="tr-TR" sz="1600" dirty="0"/>
+              <a:t> magnitüde</a:t>
+            </a:r>
+          </a:p>
+          <a:p>
+            <a:r>
+              <a:rPr lang="tr-TR" sz="1600" dirty="0"/>
+              <a:t>MAE: 3,151,181 TL → High </a:t>
+            </a:r>
+            <a:r>
+              <a:rPr lang="tr-TR" sz="1600" dirty="0" err="1"/>
+              <a:t>average</a:t>
+            </a:r>
+            <a:r>
+              <a:rPr lang="tr-TR" sz="1600" dirty="0"/>
+              <a:t> </a:t>
+            </a:r>
+            <a:r>
+              <a:rPr lang="tr-TR" sz="1600" dirty="0" err="1"/>
+              <a:t>error</a:t>
+            </a:r>
+            <a:endParaRPr lang="tr-TR" sz="1600" dirty="0"/>
+          </a:p>
+          <a:p>
+            <a:r>
+              <a:rPr lang="tr-TR" sz="1600" dirty="0"/>
+              <a:t>R²: 0.655 → </a:t>
+            </a:r>
+            <a:r>
+              <a:rPr lang="tr-TR" sz="1600" dirty="0" err="1"/>
+              <a:t>Explains</a:t>
+            </a:r>
+            <a:r>
+              <a:rPr lang="tr-TR" sz="1600" dirty="0"/>
+              <a:t> 65.5% of </a:t>
+            </a:r>
+            <a:r>
+              <a:rPr lang="tr-TR" sz="1600" dirty="0" err="1"/>
+              <a:t>price</a:t>
+            </a:r>
+            <a:r>
+              <a:rPr lang="tr-TR" sz="1600" dirty="0"/>
+              <a:t> </a:t>
+            </a:r>
+            <a:r>
+              <a:rPr lang="tr-TR" sz="1600" dirty="0" err="1"/>
+              <a:t>variation</a:t>
+            </a:r>
+            <a:endParaRPr lang="tr-TR" sz="1600" dirty="0"/>
+          </a:p>
+          <a:p>
+            <a:r>
+              <a:rPr lang="tr-TR" sz="1600" b="1" dirty="0" err="1"/>
+              <a:t>Random</a:t>
+            </a:r>
+            <a:r>
+              <a:rPr lang="tr-TR" sz="1600" b="1" dirty="0"/>
+              <a:t> </a:t>
+            </a:r>
+            <a:r>
+              <a:rPr lang="tr-TR" sz="1600" b="1" dirty="0" err="1"/>
+              <a:t>Forest</a:t>
+            </a:r>
+            <a:endParaRPr lang="tr-TR" sz="1600" b="1" dirty="0"/>
+          </a:p>
+          <a:p>
+            <a:r>
+              <a:rPr lang="tr-TR" sz="1600" dirty="0"/>
+              <a:t>CV </a:t>
+            </a:r>
+            <a:r>
+              <a:rPr lang="tr-TR" sz="1600" dirty="0" err="1"/>
+              <a:t>Score</a:t>
+            </a:r>
+            <a:r>
+              <a:rPr lang="tr-TR" sz="1600" dirty="0"/>
+              <a:t> </a:t>
+            </a:r>
+            <a:r>
+              <a:rPr lang="tr-TR" sz="1600" dirty="0" err="1"/>
+              <a:t>Mean</a:t>
+            </a:r>
+            <a:r>
+              <a:rPr lang="tr-TR" sz="1600" dirty="0"/>
+              <a:t>: 0.335 → </a:t>
+            </a:r>
+            <a:r>
+              <a:rPr lang="tr-TR" sz="1600" dirty="0" err="1"/>
+              <a:t>Fair</a:t>
+            </a:r>
+            <a:r>
+              <a:rPr lang="tr-TR" sz="1600" dirty="0"/>
+              <a:t> </a:t>
+            </a:r>
+            <a:r>
+              <a:rPr lang="tr-TR" sz="1600" dirty="0" err="1"/>
+              <a:t>generalization</a:t>
+            </a:r>
+            <a:endParaRPr lang="tr-TR" sz="1600" dirty="0"/>
+          </a:p>
+          <a:p>
+            <a:r>
+              <a:rPr lang="tr-TR" sz="1600" dirty="0"/>
+              <a:t>CV </a:t>
+            </a:r>
+            <a:r>
+              <a:rPr lang="tr-TR" sz="1600" dirty="0" err="1"/>
+              <a:t>Score</a:t>
+            </a:r>
+            <a:r>
+              <a:rPr lang="tr-TR" sz="1600" dirty="0"/>
+              <a:t> </a:t>
+            </a:r>
+            <a:r>
+              <a:rPr lang="tr-TR" sz="1600" dirty="0" err="1"/>
+              <a:t>Std</a:t>
+            </a:r>
+            <a:r>
+              <a:rPr lang="tr-TR" sz="1600" dirty="0"/>
+              <a:t>: 0.076 → </a:t>
+            </a:r>
+            <a:r>
+              <a:rPr lang="tr-TR" sz="1600" dirty="0" err="1"/>
+              <a:t>Good</a:t>
+            </a:r>
+            <a:r>
+              <a:rPr lang="tr-TR" sz="1600" dirty="0"/>
+              <a:t> </a:t>
+            </a:r>
+            <a:r>
+              <a:rPr lang="tr-TR" sz="1600" dirty="0" err="1"/>
+              <a:t>consistency</a:t>
+            </a:r>
+            <a:endParaRPr lang="tr-TR" sz="1600" dirty="0"/>
+          </a:p>
+          <a:p>
+            <a:r>
+              <a:rPr lang="tr-TR" sz="1600" dirty="0"/>
+              <a:t>RMSE: 4,996,040 TL → High </a:t>
+            </a:r>
+            <a:r>
+              <a:rPr lang="tr-TR" sz="1600" dirty="0" err="1"/>
+              <a:t>error</a:t>
+            </a:r>
+            <a:r>
+              <a:rPr lang="tr-TR" sz="1600" dirty="0"/>
+              <a:t> magnitüde</a:t>
+            </a:r>
+          </a:p>
+          <a:p>
+            <a:r>
+              <a:rPr lang="tr-TR" sz="1600" dirty="0"/>
+              <a:t>MAE: 2,815,645 TL → </a:t>
+            </a:r>
+            <a:r>
+              <a:rPr lang="tr-TR" sz="1600" dirty="0" err="1"/>
+              <a:t>Moderate</a:t>
+            </a:r>
+            <a:r>
+              <a:rPr lang="tr-TR" sz="1600" dirty="0"/>
+              <a:t> </a:t>
+            </a:r>
+            <a:r>
+              <a:rPr lang="tr-TR" sz="1600" dirty="0" err="1"/>
+              <a:t>average</a:t>
+            </a:r>
+            <a:r>
+              <a:rPr lang="tr-TR" sz="1600" dirty="0"/>
+              <a:t> </a:t>
+            </a:r>
+            <a:r>
+              <a:rPr lang="tr-TR" sz="1600" dirty="0" err="1"/>
+              <a:t>error</a:t>
+            </a:r>
+            <a:endParaRPr lang="tr-TR" sz="1600" dirty="0"/>
+          </a:p>
+          <a:p>
+            <a:r>
+              <a:rPr lang="tr-TR" sz="1600" dirty="0"/>
+              <a:t>R²: 0.628 → </a:t>
+            </a:r>
+            <a:r>
+              <a:rPr lang="tr-TR" sz="1600" dirty="0" err="1"/>
+              <a:t>Explains</a:t>
+            </a:r>
+            <a:r>
+              <a:rPr lang="tr-TR" sz="1600" dirty="0"/>
+              <a:t> 62.8% of </a:t>
+            </a:r>
+            <a:r>
+              <a:rPr lang="tr-TR" sz="1600" dirty="0" err="1"/>
+              <a:t>price</a:t>
+            </a:r>
+            <a:r>
+              <a:rPr lang="tr-TR" sz="1600" dirty="0"/>
+              <a:t> </a:t>
+            </a:r>
+            <a:r>
+              <a:rPr lang="tr-TR" sz="1600" dirty="0" err="1"/>
+              <a:t>variation</a:t>
+            </a:r>
+            <a:endParaRPr lang="tr-TR" sz="1600" dirty="0"/>
+          </a:p>
+          <a:p>
+            <a:r>
+              <a:rPr lang="tr-TR" sz="1600" dirty="0" err="1"/>
+              <a:t>Prediction</a:t>
+            </a:r>
+            <a:r>
+              <a:rPr lang="tr-TR" sz="1600" dirty="0"/>
+              <a:t> </a:t>
+            </a:r>
+            <a:r>
+              <a:rPr lang="tr-TR" sz="1600" dirty="0" err="1"/>
+              <a:t>Std</a:t>
+            </a:r>
+            <a:r>
+              <a:rPr lang="tr-TR" sz="1600" dirty="0"/>
+              <a:t>: 1,932,913 TL → High </a:t>
+            </a:r>
+            <a:r>
+              <a:rPr lang="tr-TR" sz="1600" dirty="0" err="1"/>
+              <a:t>prediction</a:t>
+            </a:r>
+            <a:r>
+              <a:rPr lang="tr-TR" sz="1600" dirty="0"/>
+              <a:t> </a:t>
+            </a:r>
+            <a:r>
+              <a:rPr lang="tr-TR" sz="1600" dirty="0" err="1"/>
+              <a:t>uncertainty</a:t>
+            </a:r>
+            <a:endParaRPr lang="tr-TR" sz="1600" dirty="0"/>
+          </a:p>
+        </p:txBody>
+      </p:sp>
+      <p:sp>
+        <p:nvSpPr>
+          <p:cNvPr id="10" name="Metin kutusu 9">
+            <a:extLst>
+              <a:ext uri="{FF2B5EF4-FFF2-40B4-BE49-F238E27FC236}">
+                <a16:creationId xmlns:a16="http://schemas.microsoft.com/office/drawing/2014/main" id="{278D7A09-0C38-1830-F0A6-A99D5BFB15CE}"/>
+              </a:ext>
+            </a:extLst>
+          </p:cNvPr>
+          <p:cNvSpPr txBox="1"/>
+          <p:nvPr/>
+        </p:nvSpPr>
+        <p:spPr>
+          <a:xfrm>
+            <a:off x="6428232" y="1627632"/>
+            <a:ext cx="5321808" cy="3970318"/>
+          </a:xfrm>
+          <a:prstGeom prst="rect">
+            <a:avLst/>
+          </a:prstGeom>
+          <a:noFill/>
+        </p:spPr>
+        <p:txBody>
+          <a:bodyPr wrap="square" rtlCol="0">
+            <a:spAutoFit/>
+          </a:bodyPr>
+          <a:lstStyle/>
+          <a:p>
+            <a:r>
+              <a:rPr lang="tr-TR" sz="1200" b="1" dirty="0"/>
+              <a:t>SVR (</a:t>
+            </a:r>
+            <a:r>
+              <a:rPr lang="tr-TR" sz="1200" b="1" dirty="0" err="1"/>
+              <a:t>Support</a:t>
+            </a:r>
+            <a:r>
+              <a:rPr lang="tr-TR" sz="1200" b="1" dirty="0"/>
+              <a:t> </a:t>
+            </a:r>
+            <a:r>
+              <a:rPr lang="tr-TR" sz="1200" b="1" dirty="0" err="1"/>
+              <a:t>Vector</a:t>
+            </a:r>
+            <a:r>
+              <a:rPr lang="tr-TR" sz="1200" b="1" dirty="0"/>
+              <a:t> </a:t>
+            </a:r>
+            <a:r>
+              <a:rPr lang="tr-TR" sz="1200" b="1" dirty="0" err="1"/>
+              <a:t>Regression</a:t>
+            </a:r>
+            <a:r>
+              <a:rPr lang="tr-TR" sz="1200" b="1" dirty="0"/>
+              <a:t>)</a:t>
+            </a:r>
+          </a:p>
+          <a:p>
+            <a:r>
+              <a:rPr lang="tr-TR" sz="1200" dirty="0"/>
+              <a:t>CV </a:t>
+            </a:r>
+            <a:r>
+              <a:rPr lang="tr-TR" sz="1200" dirty="0" err="1"/>
+              <a:t>Score</a:t>
+            </a:r>
+            <a:r>
+              <a:rPr lang="tr-TR" sz="1200" dirty="0"/>
+              <a:t> </a:t>
+            </a:r>
+            <a:r>
+              <a:rPr lang="tr-TR" sz="1200" dirty="0" err="1"/>
+              <a:t>Mean</a:t>
+            </a:r>
+            <a:r>
+              <a:rPr lang="tr-TR" sz="1200" dirty="0"/>
+              <a:t>: -0.083 → </a:t>
+            </a:r>
+            <a:r>
+              <a:rPr lang="tr-TR" sz="1200" dirty="0" err="1"/>
+              <a:t>Poor</a:t>
+            </a:r>
+            <a:r>
+              <a:rPr lang="tr-TR" sz="1200" dirty="0"/>
+              <a:t> </a:t>
+            </a:r>
+            <a:r>
+              <a:rPr lang="tr-TR" sz="1200" dirty="0" err="1"/>
+              <a:t>generalization</a:t>
+            </a:r>
+            <a:endParaRPr lang="tr-TR" sz="1200" dirty="0"/>
+          </a:p>
+          <a:p>
+            <a:r>
+              <a:rPr lang="tr-TR" sz="1200" dirty="0"/>
+              <a:t>CV </a:t>
+            </a:r>
+            <a:r>
+              <a:rPr lang="tr-TR" sz="1200" dirty="0" err="1"/>
+              <a:t>Score</a:t>
+            </a:r>
+            <a:r>
+              <a:rPr lang="tr-TR" sz="1200" dirty="0"/>
+              <a:t> </a:t>
+            </a:r>
+            <a:r>
+              <a:rPr lang="tr-TR" sz="1200" dirty="0" err="1"/>
+              <a:t>Std</a:t>
+            </a:r>
+            <a:r>
+              <a:rPr lang="tr-TR" sz="1200" dirty="0"/>
+              <a:t>: 0.034 → </a:t>
+            </a:r>
+            <a:r>
+              <a:rPr lang="tr-TR" sz="1200" dirty="0" err="1"/>
+              <a:t>Very</a:t>
+            </a:r>
+            <a:r>
+              <a:rPr lang="tr-TR" sz="1200" dirty="0"/>
+              <a:t> </a:t>
+            </a:r>
+            <a:r>
+              <a:rPr lang="tr-TR" sz="1200" dirty="0" err="1"/>
+              <a:t>consistent</a:t>
+            </a:r>
+            <a:r>
+              <a:rPr lang="tr-TR" sz="1200" dirty="0"/>
+              <a:t> (but </a:t>
+            </a:r>
+            <a:r>
+              <a:rPr lang="tr-TR" sz="1200" dirty="0" err="1"/>
+              <a:t>consistently</a:t>
+            </a:r>
+            <a:r>
+              <a:rPr lang="tr-TR" sz="1200" dirty="0"/>
+              <a:t> </a:t>
+            </a:r>
+            <a:r>
+              <a:rPr lang="tr-TR" sz="1200" dirty="0" err="1"/>
+              <a:t>poor</a:t>
+            </a:r>
+            <a:r>
+              <a:rPr lang="tr-TR" sz="1200" dirty="0"/>
+              <a:t>)</a:t>
+            </a:r>
+          </a:p>
+          <a:p>
+            <a:r>
+              <a:rPr lang="tr-TR" sz="1200" dirty="0"/>
+              <a:t>RMSE: 8,526,071 TL → </a:t>
+            </a:r>
+            <a:r>
+              <a:rPr lang="tr-TR" sz="1200" dirty="0" err="1"/>
+              <a:t>Very</a:t>
+            </a:r>
+            <a:r>
+              <a:rPr lang="tr-TR" sz="1200" dirty="0"/>
+              <a:t> </a:t>
+            </a:r>
+            <a:r>
+              <a:rPr lang="tr-TR" sz="1200" dirty="0" err="1"/>
+              <a:t>high</a:t>
+            </a:r>
+            <a:r>
+              <a:rPr lang="tr-TR" sz="1200" dirty="0"/>
+              <a:t> </a:t>
+            </a:r>
+            <a:r>
+              <a:rPr lang="tr-TR" sz="1200" dirty="0" err="1"/>
+              <a:t>error</a:t>
+            </a:r>
+            <a:r>
+              <a:rPr lang="tr-TR" sz="1200" dirty="0"/>
+              <a:t> magnitüde</a:t>
+            </a:r>
+          </a:p>
+          <a:p>
+            <a:r>
+              <a:rPr lang="tr-TR" sz="1200" dirty="0"/>
+              <a:t>MAE: 4,307,499 TL → </a:t>
+            </a:r>
+            <a:r>
+              <a:rPr lang="tr-TR" sz="1200" dirty="0" err="1"/>
+              <a:t>Very</a:t>
+            </a:r>
+            <a:r>
+              <a:rPr lang="tr-TR" sz="1200" dirty="0"/>
+              <a:t> </a:t>
+            </a:r>
+            <a:r>
+              <a:rPr lang="tr-TR" sz="1200" dirty="0" err="1"/>
+              <a:t>high</a:t>
+            </a:r>
+            <a:r>
+              <a:rPr lang="tr-TR" sz="1200" dirty="0"/>
+              <a:t> </a:t>
+            </a:r>
+            <a:r>
+              <a:rPr lang="tr-TR" sz="1200" dirty="0" err="1"/>
+              <a:t>average</a:t>
+            </a:r>
+            <a:r>
+              <a:rPr lang="tr-TR" sz="1200" dirty="0"/>
+              <a:t> </a:t>
+            </a:r>
+            <a:r>
+              <a:rPr lang="tr-TR" sz="1200" dirty="0" err="1"/>
+              <a:t>error</a:t>
+            </a:r>
+            <a:endParaRPr lang="tr-TR" sz="1200" dirty="0"/>
+          </a:p>
+          <a:p>
+            <a:r>
+              <a:rPr lang="tr-TR" sz="1200" dirty="0"/>
+              <a:t>R²: -0.084 → Model </a:t>
+            </a:r>
+            <a:r>
+              <a:rPr lang="tr-TR" sz="1200" dirty="0" err="1"/>
+              <a:t>performs</a:t>
+            </a:r>
+            <a:r>
+              <a:rPr lang="tr-TR" sz="1200" dirty="0"/>
+              <a:t> </a:t>
+            </a:r>
+            <a:r>
+              <a:rPr lang="tr-TR" sz="1200" dirty="0" err="1"/>
+              <a:t>worse</a:t>
+            </a:r>
+            <a:r>
+              <a:rPr lang="tr-TR" sz="1200" dirty="0"/>
+              <a:t> </a:t>
+            </a:r>
+            <a:r>
+              <a:rPr lang="tr-TR" sz="1200" dirty="0" err="1"/>
+              <a:t>than</a:t>
+            </a:r>
+            <a:r>
+              <a:rPr lang="tr-TR" sz="1200" dirty="0"/>
+              <a:t> a horizontal </a:t>
+            </a:r>
+            <a:r>
+              <a:rPr lang="tr-TR" sz="1200" dirty="0" err="1"/>
+              <a:t>line</a:t>
+            </a:r>
+            <a:endParaRPr lang="tr-TR" sz="1200" dirty="0"/>
+          </a:p>
+          <a:p>
+            <a:endParaRPr lang="tr-TR" sz="1200" dirty="0"/>
+          </a:p>
+          <a:p>
+            <a:r>
+              <a:rPr lang="tr-TR" sz="1200" b="1" dirty="0" err="1"/>
+              <a:t>Gradient</a:t>
+            </a:r>
+            <a:r>
+              <a:rPr lang="tr-TR" sz="1200" b="1" dirty="0"/>
+              <a:t> </a:t>
+            </a:r>
+            <a:r>
+              <a:rPr lang="tr-TR" sz="1200" b="1" dirty="0" err="1"/>
+              <a:t>Boosting</a:t>
+            </a:r>
+            <a:endParaRPr lang="tr-TR" sz="1200" b="1" dirty="0"/>
+          </a:p>
+          <a:p>
+            <a:r>
+              <a:rPr lang="tr-TR" sz="1200" dirty="0"/>
+              <a:t>CV </a:t>
+            </a:r>
+            <a:r>
+              <a:rPr lang="tr-TR" sz="1200" dirty="0" err="1"/>
+              <a:t>Score</a:t>
+            </a:r>
+            <a:r>
+              <a:rPr lang="tr-TR" sz="1200" dirty="0"/>
+              <a:t> </a:t>
+            </a:r>
+            <a:r>
+              <a:rPr lang="tr-TR" sz="1200" dirty="0" err="1"/>
+              <a:t>Mean</a:t>
+            </a:r>
+            <a:r>
+              <a:rPr lang="tr-TR" sz="1200" dirty="0"/>
+              <a:t>: 0.338 → </a:t>
+            </a:r>
+            <a:r>
+              <a:rPr lang="tr-TR" sz="1200" dirty="0" err="1"/>
+              <a:t>Fair</a:t>
+            </a:r>
+            <a:r>
+              <a:rPr lang="tr-TR" sz="1200" dirty="0"/>
+              <a:t> </a:t>
+            </a:r>
+            <a:r>
+              <a:rPr lang="tr-TR" sz="1200" dirty="0" err="1"/>
+              <a:t>generalization</a:t>
+            </a:r>
+            <a:endParaRPr lang="tr-TR" sz="1200" dirty="0"/>
+          </a:p>
+          <a:p>
+            <a:r>
+              <a:rPr lang="tr-TR" sz="1200" dirty="0"/>
+              <a:t>CV </a:t>
+            </a:r>
+            <a:r>
+              <a:rPr lang="tr-TR" sz="1200" dirty="0" err="1"/>
+              <a:t>Score</a:t>
+            </a:r>
+            <a:r>
+              <a:rPr lang="tr-TR" sz="1200" dirty="0"/>
+              <a:t> </a:t>
+            </a:r>
+            <a:r>
+              <a:rPr lang="tr-TR" sz="1200" dirty="0" err="1"/>
+              <a:t>Std</a:t>
+            </a:r>
+            <a:r>
+              <a:rPr lang="tr-TR" sz="1200" dirty="0"/>
+              <a:t>: 0.077 → </a:t>
+            </a:r>
+            <a:r>
+              <a:rPr lang="tr-TR" sz="1200" dirty="0" err="1"/>
+              <a:t>Good</a:t>
+            </a:r>
+            <a:r>
+              <a:rPr lang="tr-TR" sz="1200" dirty="0"/>
+              <a:t> </a:t>
+            </a:r>
+            <a:r>
+              <a:rPr lang="tr-TR" sz="1200" dirty="0" err="1"/>
+              <a:t>consistency</a:t>
+            </a:r>
+            <a:endParaRPr lang="tr-TR" sz="1200" dirty="0"/>
+          </a:p>
+          <a:p>
+            <a:r>
+              <a:rPr lang="tr-TR" sz="1200" dirty="0"/>
+              <a:t>RMSE: 4,439,142 TL → </a:t>
+            </a:r>
+            <a:r>
+              <a:rPr lang="tr-TR" sz="1200" dirty="0" err="1"/>
+              <a:t>Moderate</a:t>
+            </a:r>
+            <a:r>
+              <a:rPr lang="tr-TR" sz="1200" dirty="0"/>
+              <a:t> </a:t>
+            </a:r>
+            <a:r>
+              <a:rPr lang="tr-TR" sz="1200" dirty="0" err="1"/>
+              <a:t>error</a:t>
+            </a:r>
+            <a:r>
+              <a:rPr lang="tr-TR" sz="1200" dirty="0"/>
+              <a:t> magnitüde</a:t>
+            </a:r>
+          </a:p>
+          <a:p>
+            <a:r>
+              <a:rPr lang="tr-TR" sz="1200" dirty="0"/>
+              <a:t>MAE: 2,657,988 TL → </a:t>
+            </a:r>
+            <a:r>
+              <a:rPr lang="tr-TR" sz="1200" dirty="0" err="1"/>
+              <a:t>Moderate</a:t>
+            </a:r>
+            <a:r>
+              <a:rPr lang="tr-TR" sz="1200" dirty="0"/>
+              <a:t> </a:t>
+            </a:r>
+            <a:r>
+              <a:rPr lang="tr-TR" sz="1200" dirty="0" err="1"/>
+              <a:t>average</a:t>
+            </a:r>
+            <a:r>
+              <a:rPr lang="tr-TR" sz="1200" dirty="0"/>
+              <a:t> </a:t>
+            </a:r>
+            <a:r>
+              <a:rPr lang="tr-TR" sz="1200" dirty="0" err="1"/>
+              <a:t>error</a:t>
+            </a:r>
+            <a:endParaRPr lang="tr-TR" sz="1200" dirty="0"/>
+          </a:p>
+          <a:p>
+            <a:r>
+              <a:rPr lang="tr-TR" sz="1200" dirty="0"/>
+              <a:t>R²: 0.559 → </a:t>
+            </a:r>
+            <a:r>
+              <a:rPr lang="tr-TR" sz="1200" dirty="0" err="1"/>
+              <a:t>Explains</a:t>
+            </a:r>
+            <a:r>
+              <a:rPr lang="tr-TR" sz="1200" dirty="0"/>
+              <a:t> 55.9% of </a:t>
+            </a:r>
+            <a:r>
+              <a:rPr lang="tr-TR" sz="1200" dirty="0" err="1"/>
+              <a:t>price</a:t>
+            </a:r>
+            <a:r>
+              <a:rPr lang="tr-TR" sz="1200" dirty="0"/>
+              <a:t> </a:t>
+            </a:r>
+            <a:r>
+              <a:rPr lang="tr-TR" sz="1200" dirty="0" err="1"/>
+              <a:t>variation</a:t>
+            </a:r>
+            <a:endParaRPr lang="tr-TR" sz="1200" dirty="0"/>
+          </a:p>
+          <a:p>
+            <a:r>
+              <a:rPr lang="tr-TR" sz="1200" dirty="0" err="1"/>
+              <a:t>Prediction</a:t>
+            </a:r>
+            <a:r>
+              <a:rPr lang="tr-TR" sz="1200" dirty="0"/>
+              <a:t> </a:t>
+            </a:r>
+            <a:r>
+              <a:rPr lang="tr-TR" sz="1200" dirty="0" err="1"/>
+              <a:t>Std</a:t>
+            </a:r>
+            <a:r>
+              <a:rPr lang="tr-TR" sz="1200" dirty="0"/>
+              <a:t>: 909,627 TL → </a:t>
+            </a:r>
+            <a:r>
+              <a:rPr lang="tr-TR" sz="1200" dirty="0" err="1"/>
+              <a:t>Moderate</a:t>
+            </a:r>
+            <a:r>
+              <a:rPr lang="tr-TR" sz="1200" dirty="0"/>
+              <a:t> </a:t>
+            </a:r>
+            <a:r>
+              <a:rPr lang="tr-TR" sz="1200" dirty="0" err="1"/>
+              <a:t>prediction</a:t>
+            </a:r>
+            <a:r>
+              <a:rPr lang="tr-TR" sz="1200" dirty="0"/>
+              <a:t> </a:t>
+            </a:r>
+            <a:r>
+              <a:rPr lang="tr-TR" sz="1200" dirty="0" err="1"/>
+              <a:t>uncertainty</a:t>
+            </a:r>
+            <a:endParaRPr lang="tr-TR" sz="1200" dirty="0"/>
+          </a:p>
+          <a:p>
+            <a:endParaRPr lang="tr-TR" sz="1200" dirty="0"/>
+          </a:p>
+          <a:p>
+            <a:r>
+              <a:rPr lang="tr-TR" sz="1200" b="1" dirty="0" err="1"/>
+              <a:t>XGBoost</a:t>
+            </a:r>
+            <a:endParaRPr lang="tr-TR" sz="1200" b="1" dirty="0"/>
+          </a:p>
+          <a:p>
+            <a:r>
+              <a:rPr lang="tr-TR" sz="1200" dirty="0"/>
+              <a:t>CV </a:t>
+            </a:r>
+            <a:r>
+              <a:rPr lang="tr-TR" sz="1200" dirty="0" err="1"/>
+              <a:t>Score</a:t>
+            </a:r>
+            <a:r>
+              <a:rPr lang="tr-TR" sz="1200" dirty="0"/>
+              <a:t> </a:t>
+            </a:r>
+            <a:r>
+              <a:rPr lang="tr-TR" sz="1200" dirty="0" err="1"/>
+              <a:t>Mean</a:t>
+            </a:r>
+            <a:r>
+              <a:rPr lang="tr-TR" sz="1200" dirty="0"/>
+              <a:t>: 0.562 → </a:t>
+            </a:r>
+            <a:r>
+              <a:rPr lang="tr-TR" sz="1200" dirty="0" err="1"/>
+              <a:t>Good</a:t>
+            </a:r>
+            <a:r>
+              <a:rPr lang="tr-TR" sz="1200" dirty="0"/>
+              <a:t> </a:t>
+            </a:r>
+            <a:r>
+              <a:rPr lang="tr-TR" sz="1200" dirty="0" err="1"/>
+              <a:t>generalization</a:t>
+            </a:r>
+            <a:endParaRPr lang="tr-TR" sz="1200" dirty="0"/>
+          </a:p>
+          <a:p>
+            <a:r>
+              <a:rPr lang="tr-TR" sz="1200" dirty="0"/>
+              <a:t>CV </a:t>
+            </a:r>
+            <a:r>
+              <a:rPr lang="tr-TR" sz="1200" dirty="0" err="1"/>
+              <a:t>Score</a:t>
+            </a:r>
+            <a:r>
+              <a:rPr lang="tr-TR" sz="1200" dirty="0"/>
+              <a:t> </a:t>
+            </a:r>
+            <a:r>
+              <a:rPr lang="tr-TR" sz="1200" dirty="0" err="1"/>
+              <a:t>Std</a:t>
+            </a:r>
+            <a:r>
+              <a:rPr lang="tr-TR" sz="1200" dirty="0"/>
+              <a:t>: 0.142 → </a:t>
+            </a:r>
+            <a:r>
+              <a:rPr lang="tr-TR" sz="1200" dirty="0" err="1"/>
+              <a:t>Moderate</a:t>
+            </a:r>
+            <a:r>
+              <a:rPr lang="tr-TR" sz="1200" dirty="0"/>
+              <a:t> </a:t>
+            </a:r>
+            <a:r>
+              <a:rPr lang="tr-TR" sz="1200" dirty="0" err="1"/>
+              <a:t>consistency</a:t>
+            </a:r>
+            <a:endParaRPr lang="tr-TR" sz="1200" dirty="0"/>
+          </a:p>
+          <a:p>
+            <a:r>
+              <a:rPr lang="tr-TR" sz="1200" dirty="0"/>
+              <a:t>RMSE: 5,111,034 TL → High </a:t>
+            </a:r>
+            <a:r>
+              <a:rPr lang="tr-TR" sz="1200" dirty="0" err="1"/>
+              <a:t>error</a:t>
+            </a:r>
+            <a:r>
+              <a:rPr lang="tr-TR" sz="1200" dirty="0"/>
+              <a:t> magnitüde</a:t>
+            </a:r>
+          </a:p>
+          <a:p>
+            <a:r>
+              <a:rPr lang="tr-TR" sz="1200" dirty="0"/>
+              <a:t>MAE: 2,512,127 TL → </a:t>
+            </a:r>
+            <a:r>
+              <a:rPr lang="tr-TR" sz="1200" dirty="0" err="1"/>
+              <a:t>Moderate</a:t>
+            </a:r>
+            <a:r>
+              <a:rPr lang="tr-TR" sz="1200" dirty="0"/>
+              <a:t> </a:t>
+            </a:r>
+            <a:r>
+              <a:rPr lang="tr-TR" sz="1200" dirty="0" err="1"/>
+              <a:t>average</a:t>
+            </a:r>
+            <a:r>
+              <a:rPr lang="tr-TR" sz="1200" dirty="0"/>
+              <a:t> </a:t>
+            </a:r>
+            <a:r>
+              <a:rPr lang="tr-TR" sz="1200" dirty="0" err="1"/>
+              <a:t>error</a:t>
+            </a:r>
+            <a:endParaRPr lang="tr-TR" sz="1200" dirty="0"/>
+          </a:p>
+          <a:p>
+            <a:r>
+              <a:rPr lang="tr-TR" sz="1200" dirty="0"/>
+              <a:t>R²: 0.610 → </a:t>
+            </a:r>
+            <a:r>
+              <a:rPr lang="tr-TR" sz="1200" dirty="0" err="1"/>
+              <a:t>Explains</a:t>
+            </a:r>
+            <a:r>
+              <a:rPr lang="tr-TR" sz="1200" dirty="0"/>
+              <a:t> 61% of </a:t>
+            </a:r>
+            <a:r>
+              <a:rPr lang="tr-TR" sz="1200" dirty="0" err="1"/>
+              <a:t>price</a:t>
+            </a:r>
+            <a:r>
+              <a:rPr lang="tr-TR" sz="1200" dirty="0"/>
+              <a:t> </a:t>
+            </a:r>
+            <a:r>
+              <a:rPr lang="tr-TR" sz="1200" dirty="0" err="1"/>
+              <a:t>variation</a:t>
+            </a:r>
+            <a:endParaRPr lang="tr-TR" sz="1200" dirty="0"/>
+          </a:p>
+        </p:txBody>
+      </p:sp>
+    </p:spTree>
+    <p:extLst>
+      <p:ext uri="{BB962C8B-B14F-4D97-AF65-F5344CB8AC3E}">
+        <p14:creationId xmlns:p14="http://schemas.microsoft.com/office/powerpoint/2010/main" val="2561690042"/>
+      </p:ext>
+    </p:extLst>
+  </p:cSld>
+  <p:clrMapOvr>
+    <a:masterClrMapping/>
+  </p:clrMapOvr>
+</p:sld>
+</file>
+
+<file path=ppt/slides/slide11.xml><?xml version="1.0" encoding="utf-8"?>
+<p:sld xmlns:a="http://schemas.openxmlformats.org/drawingml/2006/main" xmlns:r="http://schemas.openxmlformats.org/officeDocument/2006/relationships" xmlns:p="http://schemas.openxmlformats.org/presentationml/2006/main">
+  <p:cSld>
+    <p:spTree>
+      <p:nvGrpSpPr>
+        <p:cNvPr id="1" name=""/>
+        <p:cNvGrpSpPr/>
+        <p:nvPr/>
+      </p:nvGrpSpPr>
+      <p:grpSpPr>
+        <a:xfrm>
+          <a:off x="0" y="0"/>
+          <a:ext cx="0" cy="0"/>
+          <a:chOff x="0" y="0"/>
+          <a:chExt cx="0" cy="0"/>
+        </a:xfrm>
+      </p:grpSpPr>
+      <p:sp>
+        <p:nvSpPr>
+          <p:cNvPr id="2" name="Başlık 1">
+            <a:extLst>
+              <a:ext uri="{FF2B5EF4-FFF2-40B4-BE49-F238E27FC236}">
                 <a16:creationId xmlns:a16="http://schemas.microsoft.com/office/drawing/2014/main" id="{8D3063D4-D23B-3F00-8BF3-9BE0676E8336}"/>
               </a:ext>
             </a:extLst>
